--- a/_ETC/symposium-2025/2025-10-20 Databricks In 60 Minutes.pptx
+++ b/_ETC/symposium-2025/2025-10-20 Databricks In 60 Minutes.pptx
@@ -2980,7 +2980,7 @@
         </p:spPr>
         <p:txBody>
           <a:bodyPr>
-            <a:normAutofit fontScale="85000" lnSpcReduction="20000"/>
+            <a:normAutofit fontScale="70000" lnSpcReduction="20000"/>
           </a:bodyPr>
           <a:lstStyle/>
           <a:p>
@@ -3046,6 +3046,28 @@
                 <a:latin typeface="Source Sans Pro" panose="020B0503030403020204" pitchFamily="34" charset="0"/>
               </a:rPr>
               <a:t>Polites for Databricks Implementation</a:t>
+            </a:r>
+          </a:p>
+          <a:p>
+            <a:r>
+              <a:rPr lang="en-US" sz="3600" dirty="0">
+                <a:solidFill>
+                  <a:srgbClr val="333333"/>
+                </a:solidFill>
+                <a:latin typeface="Source Sans Pro" panose="020B0503030403020204" pitchFamily="34" charset="0"/>
+              </a:rPr>
+              <a:t>Updates to Polites documentation</a:t>
+            </a:r>
+          </a:p>
+          <a:p>
+            <a:r>
+              <a:rPr lang="en-US" sz="3600" dirty="0">
+                <a:solidFill>
+                  <a:srgbClr val="333333"/>
+                </a:solidFill>
+                <a:latin typeface="Source Sans Pro" panose="020B0503030403020204" pitchFamily="34" charset="0"/>
+              </a:rPr>
+              <a:t>Review/Testing/Editing of Polites documentation</a:t>
             </a:r>
           </a:p>
           <a:p>
